--- a/wxhackathon/2025/designer.pptx
+++ b/wxhackathon/2025/designer.pptx
@@ -270,7 +270,7 @@
           <a:p>
             <a:fld id="{5AD111F6-2CFB-4DCA-B37A-3C174CF8B36D}" type="datetimeFigureOut">
               <a:rPr lang="ko-KR" altLang="en-US" smtClean="0"/>
-              <a:t>2025-09-12</a:t>
+              <a:t>2025-09-29</a:t>
             </a:fld>
             <a:endParaRPr lang="ko-KR" altLang="en-US" dirty="0"/>
           </a:p>
@@ -4330,7 +4330,7 @@
           <p:nvPr>
             <p:extLst>
               <p:ext uri="{D42A27DB-BD31-4B8C-83A1-F6EECF244321}">
-                <p14:modId xmlns:p14="http://schemas.microsoft.com/office/powerpoint/2010/main" val="2177795054"/>
+                <p14:modId xmlns:p14="http://schemas.microsoft.com/office/powerpoint/2010/main" val="38967977"/>
               </p:ext>
             </p:extLst>
           </p:nvPr>
@@ -4951,7 +4951,7 @@
                           <a:ea typeface="맑은 고딕" panose="020B0503020000020004" pitchFamily="50" charset="-127"/>
                           <a:cs typeface="+mn-cs"/>
                         </a:rPr>
-                        <a:t>(10/14)</a:t>
+                        <a:t>(10/23)</a:t>
                       </a:r>
                       <a:r>
                         <a:rPr kumimoji="1" lang="ko-KR" altLang="en-US" sz="1200" b="0" kern="0" spc="-70">
